--- a/14_big_data/07-Veri-Akisi/01_apache_nifi.pptx
+++ b/14_big_data/07-Veri-Akisi/01_apache_nifi.pptx
@@ -744,29 +744,6 @@
           </ac:picMkLst>
         </pc:picChg>
       </pc:sldChg>
-      <pc:sldChg chg="delSp del">
-        <pc:chgData name="Erkan ŞİRİN" userId="7f10ce1d6aaf8c5d" providerId="LiveId" clId="{E53A5C46-356E-4979-84CC-A3A2C94FC68F}" dt="2019-05-07T11:03:51.265" v="61" actId="2696"/>
-        <pc:sldMkLst>
-          <pc:docMk/>
-          <pc:sldMk cId="4058336237" sldId="284"/>
-        </pc:sldMkLst>
-        <pc:grpChg chg="del">
-          <ac:chgData name="Erkan ŞİRİN" userId="7f10ce1d6aaf8c5d" providerId="LiveId" clId="{E53A5C46-356E-4979-84CC-A3A2C94FC68F}" dt="2019-05-07T10:53:47.211" v="48" actId="478"/>
-          <ac:grpSpMkLst>
-            <pc:docMk/>
-            <pc:sldMk cId="4058336237" sldId="284"/>
-            <ac:grpSpMk id="11" creationId="{00000000-0000-0000-0000-000000000000}"/>
-          </ac:grpSpMkLst>
-        </pc:grpChg>
-        <pc:grpChg chg="del">
-          <ac:chgData name="Erkan ŞİRİN" userId="7f10ce1d6aaf8c5d" providerId="LiveId" clId="{E53A5C46-356E-4979-84CC-A3A2C94FC68F}" dt="2019-05-07T10:53:47.211" v="48" actId="478"/>
-          <ac:grpSpMkLst>
-            <pc:docMk/>
-            <pc:sldMk cId="4058336237" sldId="284"/>
-            <ac:grpSpMk id="15" creationId="{00000000-0000-0000-0000-000000000000}"/>
-          </ac:grpSpMkLst>
-        </pc:grpChg>
-      </pc:sldChg>
       <pc:sldChg chg="addSp delSp">
         <pc:chgData name="Erkan ŞİRİN" userId="7f10ce1d6aaf8c5d" providerId="LiveId" clId="{E53A5C46-356E-4979-84CC-A3A2C94FC68F}" dt="2019-05-07T10:53:36.421" v="47"/>
         <pc:sldMkLst>
@@ -860,37 +837,6 @@
           </ac:picMkLst>
         </pc:picChg>
       </pc:sldChg>
-      <pc:sldChg chg="addSp delSp del">
-        <pc:chgData name="Erkan ŞİRİN" userId="7f10ce1d6aaf8c5d" providerId="LiveId" clId="{E53A5C46-356E-4979-84CC-A3A2C94FC68F}" dt="2019-05-07T10:58:41.878" v="58" actId="2696"/>
-        <pc:sldMkLst>
-          <pc:docMk/>
-          <pc:sldMk cId="66817533" sldId="288"/>
-        </pc:sldMkLst>
-        <pc:grpChg chg="del">
-          <ac:chgData name="Erkan ŞİRİN" userId="7f10ce1d6aaf8c5d" providerId="LiveId" clId="{E53A5C46-356E-4979-84CC-A3A2C94FC68F}" dt="2019-05-07T10:53:58.605" v="51" actId="478"/>
-          <ac:grpSpMkLst>
-            <pc:docMk/>
-            <pc:sldMk cId="66817533" sldId="288"/>
-            <ac:grpSpMk id="11" creationId="{00000000-0000-0000-0000-000000000000}"/>
-          </ac:grpSpMkLst>
-        </pc:grpChg>
-        <pc:grpChg chg="del">
-          <ac:chgData name="Erkan ŞİRİN" userId="7f10ce1d6aaf8c5d" providerId="LiveId" clId="{E53A5C46-356E-4979-84CC-A3A2C94FC68F}" dt="2019-05-07T10:53:58.605" v="51" actId="478"/>
-          <ac:grpSpMkLst>
-            <pc:docMk/>
-            <pc:sldMk cId="66817533" sldId="288"/>
-            <ac:grpSpMk id="15" creationId="{00000000-0000-0000-0000-000000000000}"/>
-          </ac:grpSpMkLst>
-        </pc:grpChg>
-        <pc:picChg chg="add">
-          <ac:chgData name="Erkan ŞİRİN" userId="7f10ce1d6aaf8c5d" providerId="LiveId" clId="{E53A5C46-356E-4979-84CC-A3A2C94FC68F}" dt="2019-05-07T10:53:59.099" v="52"/>
-          <ac:picMkLst>
-            <pc:docMk/>
-            <pc:sldMk cId="66817533" sldId="288"/>
-            <ac:picMk id="17" creationId="{ACF1932F-C9B2-43D3-BBF1-079D41F312FE}"/>
-          </ac:picMkLst>
-        </pc:picChg>
-      </pc:sldChg>
       <pc:sldChg chg="add">
         <pc:chgData name="Erkan ŞİRİN" userId="7f10ce1d6aaf8c5d" providerId="LiveId" clId="{E53A5C46-356E-4979-84CC-A3A2C94FC68F}" dt="2019-05-07T11:03:40.638" v="59"/>
         <pc:sldMkLst>
@@ -898,43 +844,366 @@
           <pc:sldMk cId="3187938450" sldId="288"/>
         </pc:sldMkLst>
       </pc:sldChg>
-      <pc:sldChg chg="addSp delSp del">
-        <pc:chgData name="Erkan ŞİRİN" userId="7f10ce1d6aaf8c5d" providerId="LiveId" clId="{E53A5C46-356E-4979-84CC-A3A2C94FC68F}" dt="2019-05-07T10:58:41.863" v="57" actId="2696"/>
-        <pc:sldMkLst>
-          <pc:docMk/>
-          <pc:sldMk cId="519409362" sldId="289"/>
-        </pc:sldMkLst>
-        <pc:grpChg chg="del">
-          <ac:chgData name="Erkan ŞİRİN" userId="7f10ce1d6aaf8c5d" providerId="LiveId" clId="{E53A5C46-356E-4979-84CC-A3A2C94FC68F}" dt="2019-05-07T10:54:17.042" v="55" actId="478"/>
-          <ac:grpSpMkLst>
-            <pc:docMk/>
-            <pc:sldMk cId="519409362" sldId="289"/>
-            <ac:grpSpMk id="11" creationId="{00000000-0000-0000-0000-000000000000}"/>
-          </ac:grpSpMkLst>
-        </pc:grpChg>
-        <pc:grpChg chg="del">
-          <ac:chgData name="Erkan ŞİRİN" userId="7f10ce1d6aaf8c5d" providerId="LiveId" clId="{E53A5C46-356E-4979-84CC-A3A2C94FC68F}" dt="2019-05-07T10:54:17.042" v="55" actId="478"/>
-          <ac:grpSpMkLst>
-            <pc:docMk/>
-            <pc:sldMk cId="519409362" sldId="289"/>
-            <ac:grpSpMk id="15" creationId="{00000000-0000-0000-0000-000000000000}"/>
-          </ac:grpSpMkLst>
-        </pc:grpChg>
-        <pc:picChg chg="add">
-          <ac:chgData name="Erkan ŞİRİN" userId="7f10ce1d6aaf8c5d" providerId="LiveId" clId="{E53A5C46-356E-4979-84CC-A3A2C94FC68F}" dt="2019-05-07T10:54:18.038" v="56"/>
-          <ac:picMkLst>
-            <pc:docMk/>
-            <pc:sldMk cId="519409362" sldId="289"/>
-            <ac:picMk id="17" creationId="{F0B52FE5-3125-4BDC-995A-BD7916BAB788}"/>
-          </ac:picMkLst>
-        </pc:picChg>
-      </pc:sldChg>
       <pc:sldChg chg="add">
         <pc:chgData name="Erkan ŞİRİN" userId="7f10ce1d6aaf8c5d" providerId="LiveId" clId="{E53A5C46-356E-4979-84CC-A3A2C94FC68F}" dt="2019-05-07T11:03:48.901" v="60"/>
         <pc:sldMkLst>
           <pc:docMk/>
           <pc:sldMk cId="2153035458" sldId="289"/>
         </pc:sldMkLst>
+      </pc:sldChg>
+    </pc:docChg>
+  </pc:docChgLst>
+  <pc:docChgLst>
+    <pc:chgData name="Erkan ŞİRİN" userId="7f10ce1d6aaf8c5d" providerId="LiveId" clId="{2F474836-C37F-4ADA-9809-2FFDC123D409}"/>
+    <pc:docChg chg="custSel modSld">
+      <pc:chgData name="Erkan ŞİRİN" userId="7f10ce1d6aaf8c5d" providerId="LiveId" clId="{2F474836-C37F-4ADA-9809-2FFDC123D409}" dt="2019-07-23T20:57:10.895" v="22" actId="478"/>
+      <pc:docMkLst>
+        <pc:docMk/>
+      </pc:docMkLst>
+      <pc:sldChg chg="delSp">
+        <pc:chgData name="Erkan ŞİRİN" userId="7f10ce1d6aaf8c5d" providerId="LiveId" clId="{2F474836-C37F-4ADA-9809-2FFDC123D409}" dt="2019-07-23T20:56:43.880" v="0" actId="478"/>
+        <pc:sldMkLst>
+          <pc:docMk/>
+          <pc:sldMk cId="1416118015" sldId="257"/>
+        </pc:sldMkLst>
+        <pc:picChg chg="del">
+          <ac:chgData name="Erkan ŞİRİN" userId="7f10ce1d6aaf8c5d" providerId="LiveId" clId="{2F474836-C37F-4ADA-9809-2FFDC123D409}" dt="2019-07-23T20:56:43.880" v="0" actId="478"/>
+          <ac:picMkLst>
+            <pc:docMk/>
+            <pc:sldMk cId="1416118015" sldId="257"/>
+            <ac:picMk id="17" creationId="{FE6E8A76-A9FF-4F61-90E0-B86912C27930}"/>
+          </ac:picMkLst>
+        </pc:picChg>
+      </pc:sldChg>
+      <pc:sldChg chg="delSp">
+        <pc:chgData name="Erkan ŞİRİN" userId="7f10ce1d6aaf8c5d" providerId="LiveId" clId="{2F474836-C37F-4ADA-9809-2FFDC123D409}" dt="2019-07-23T20:56:47.820" v="3" actId="478"/>
+        <pc:sldMkLst>
+          <pc:docMk/>
+          <pc:sldMk cId="3880778730" sldId="263"/>
+        </pc:sldMkLst>
+        <pc:picChg chg="del">
+          <ac:chgData name="Erkan ŞİRİN" userId="7f10ce1d6aaf8c5d" providerId="LiveId" clId="{2F474836-C37F-4ADA-9809-2FFDC123D409}" dt="2019-07-23T20:56:47.820" v="3" actId="478"/>
+          <ac:picMkLst>
+            <pc:docMk/>
+            <pc:sldMk cId="3880778730" sldId="263"/>
+            <ac:picMk id="17" creationId="{F8239888-3402-4F6A-9B6C-67A62F3A5218}"/>
+          </ac:picMkLst>
+        </pc:picChg>
+      </pc:sldChg>
+      <pc:sldChg chg="delSp">
+        <pc:chgData name="Erkan ŞİRİN" userId="7f10ce1d6aaf8c5d" providerId="LiveId" clId="{2F474836-C37F-4ADA-9809-2FFDC123D409}" dt="2019-07-23T20:56:48.949" v="4" actId="478"/>
+        <pc:sldMkLst>
+          <pc:docMk/>
+          <pc:sldMk cId="2055615954" sldId="265"/>
+        </pc:sldMkLst>
+        <pc:picChg chg="del">
+          <ac:chgData name="Erkan ŞİRİN" userId="7f10ce1d6aaf8c5d" providerId="LiveId" clId="{2F474836-C37F-4ADA-9809-2FFDC123D409}" dt="2019-07-23T20:56:48.949" v="4" actId="478"/>
+          <ac:picMkLst>
+            <pc:docMk/>
+            <pc:sldMk cId="2055615954" sldId="265"/>
+            <ac:picMk id="17" creationId="{8EA2D525-D560-4FCF-928B-2FD15C6C771D}"/>
+          </ac:picMkLst>
+        </pc:picChg>
+      </pc:sldChg>
+      <pc:sldChg chg="delSp">
+        <pc:chgData name="Erkan ŞİRİN" userId="7f10ce1d6aaf8c5d" providerId="LiveId" clId="{2F474836-C37F-4ADA-9809-2FFDC123D409}" dt="2019-07-23T20:56:51.648" v="5" actId="478"/>
+        <pc:sldMkLst>
+          <pc:docMk/>
+          <pc:sldMk cId="249675604" sldId="266"/>
+        </pc:sldMkLst>
+        <pc:picChg chg="del">
+          <ac:chgData name="Erkan ŞİRİN" userId="7f10ce1d6aaf8c5d" providerId="LiveId" clId="{2F474836-C37F-4ADA-9809-2FFDC123D409}" dt="2019-07-23T20:56:51.648" v="5" actId="478"/>
+          <ac:picMkLst>
+            <pc:docMk/>
+            <pc:sldMk cId="249675604" sldId="266"/>
+            <ac:picMk id="41" creationId="{73834032-37E8-45B7-AF60-9F33075D848B}"/>
+          </ac:picMkLst>
+        </pc:picChg>
+      </pc:sldChg>
+      <pc:sldChg chg="delSp">
+        <pc:chgData name="Erkan ŞİRİN" userId="7f10ce1d6aaf8c5d" providerId="LiveId" clId="{2F474836-C37F-4ADA-9809-2FFDC123D409}" dt="2019-07-23T20:56:45.257" v="1" actId="478"/>
+        <pc:sldMkLst>
+          <pc:docMk/>
+          <pc:sldMk cId="1761738569" sldId="267"/>
+        </pc:sldMkLst>
+        <pc:picChg chg="del">
+          <ac:chgData name="Erkan ŞİRİN" userId="7f10ce1d6aaf8c5d" providerId="LiveId" clId="{2F474836-C37F-4ADA-9809-2FFDC123D409}" dt="2019-07-23T20:56:45.257" v="1" actId="478"/>
+          <ac:picMkLst>
+            <pc:docMk/>
+            <pc:sldMk cId="1761738569" sldId="267"/>
+            <ac:picMk id="262" creationId="{F77ECBC3-329F-4767-987C-C5E1246DE32F}"/>
+          </ac:picMkLst>
+        </pc:picChg>
+      </pc:sldChg>
+      <pc:sldChg chg="delSp">
+        <pc:chgData name="Erkan ŞİRİN" userId="7f10ce1d6aaf8c5d" providerId="LiveId" clId="{2F474836-C37F-4ADA-9809-2FFDC123D409}" dt="2019-07-23T20:56:52.873" v="6" actId="478"/>
+        <pc:sldMkLst>
+          <pc:docMk/>
+          <pc:sldMk cId="1431343537" sldId="268"/>
+        </pc:sldMkLst>
+        <pc:picChg chg="del">
+          <ac:chgData name="Erkan ŞİRİN" userId="7f10ce1d6aaf8c5d" providerId="LiveId" clId="{2F474836-C37F-4ADA-9809-2FFDC123D409}" dt="2019-07-23T20:56:52.873" v="6" actId="478"/>
+          <ac:picMkLst>
+            <pc:docMk/>
+            <pc:sldMk cId="1431343537" sldId="268"/>
+            <ac:picMk id="17" creationId="{8E589949-AFBD-43EE-B167-3D5A5E712052}"/>
+          </ac:picMkLst>
+        </pc:picChg>
+      </pc:sldChg>
+      <pc:sldChg chg="delSp">
+        <pc:chgData name="Erkan ŞİRİN" userId="7f10ce1d6aaf8c5d" providerId="LiveId" clId="{2F474836-C37F-4ADA-9809-2FFDC123D409}" dt="2019-07-23T20:57:03.871" v="16" actId="478"/>
+        <pc:sldMkLst>
+          <pc:docMk/>
+          <pc:sldMk cId="854149221" sldId="270"/>
+        </pc:sldMkLst>
+        <pc:picChg chg="del">
+          <ac:chgData name="Erkan ŞİRİN" userId="7f10ce1d6aaf8c5d" providerId="LiveId" clId="{2F474836-C37F-4ADA-9809-2FFDC123D409}" dt="2019-07-23T20:57:03.871" v="16" actId="478"/>
+          <ac:picMkLst>
+            <pc:docMk/>
+            <pc:sldMk cId="854149221" sldId="270"/>
+            <ac:picMk id="17" creationId="{8262D727-C678-4F89-9738-43903E0F5957}"/>
+          </ac:picMkLst>
+        </pc:picChg>
+      </pc:sldChg>
+      <pc:sldChg chg="delSp">
+        <pc:chgData name="Erkan ŞİRİN" userId="7f10ce1d6aaf8c5d" providerId="LiveId" clId="{2F474836-C37F-4ADA-9809-2FFDC123D409}" dt="2019-07-23T20:56:46.629" v="2" actId="478"/>
+        <pc:sldMkLst>
+          <pc:docMk/>
+          <pc:sldMk cId="2330588037" sldId="272"/>
+        </pc:sldMkLst>
+        <pc:picChg chg="del">
+          <ac:chgData name="Erkan ŞİRİN" userId="7f10ce1d6aaf8c5d" providerId="LiveId" clId="{2F474836-C37F-4ADA-9809-2FFDC123D409}" dt="2019-07-23T20:56:46.629" v="2" actId="478"/>
+          <ac:picMkLst>
+            <pc:docMk/>
+            <pc:sldMk cId="2330588037" sldId="272"/>
+            <ac:picMk id="16" creationId="{62968AF3-B1F1-433D-B79D-529F0C6591C3}"/>
+          </ac:picMkLst>
+        </pc:picChg>
+      </pc:sldChg>
+      <pc:sldChg chg="delSp">
+        <pc:chgData name="Erkan ŞİRİN" userId="7f10ce1d6aaf8c5d" providerId="LiveId" clId="{2F474836-C37F-4ADA-9809-2FFDC123D409}" dt="2019-07-23T20:57:01.636" v="14" actId="478"/>
+        <pc:sldMkLst>
+          <pc:docMk/>
+          <pc:sldMk cId="1298527607" sldId="273"/>
+        </pc:sldMkLst>
+        <pc:picChg chg="del">
+          <ac:chgData name="Erkan ŞİRİN" userId="7f10ce1d6aaf8c5d" providerId="LiveId" clId="{2F474836-C37F-4ADA-9809-2FFDC123D409}" dt="2019-07-23T20:57:01.636" v="14" actId="478"/>
+          <ac:picMkLst>
+            <pc:docMk/>
+            <pc:sldMk cId="1298527607" sldId="273"/>
+            <ac:picMk id="17" creationId="{055224D9-32F4-45B5-8346-14AC7B863EBF}"/>
+          </ac:picMkLst>
+        </pc:picChg>
+      </pc:sldChg>
+      <pc:sldChg chg="delSp">
+        <pc:chgData name="Erkan ŞİRİN" userId="7f10ce1d6aaf8c5d" providerId="LiveId" clId="{2F474836-C37F-4ADA-9809-2FFDC123D409}" dt="2019-07-23T20:56:53.971" v="7" actId="478"/>
+        <pc:sldMkLst>
+          <pc:docMk/>
+          <pc:sldMk cId="168291708" sldId="275"/>
+        </pc:sldMkLst>
+        <pc:picChg chg="del">
+          <ac:chgData name="Erkan ŞİRİN" userId="7f10ce1d6aaf8c5d" providerId="LiveId" clId="{2F474836-C37F-4ADA-9809-2FFDC123D409}" dt="2019-07-23T20:56:53.971" v="7" actId="478"/>
+          <ac:picMkLst>
+            <pc:docMk/>
+            <pc:sldMk cId="168291708" sldId="275"/>
+            <ac:picMk id="17" creationId="{39FA9374-9F95-4F38-896D-4F63A0C1CF49}"/>
+          </ac:picMkLst>
+        </pc:picChg>
+      </pc:sldChg>
+      <pc:sldChg chg="delSp">
+        <pc:chgData name="Erkan ŞİRİN" userId="7f10ce1d6aaf8c5d" providerId="LiveId" clId="{2F474836-C37F-4ADA-9809-2FFDC123D409}" dt="2019-07-23T20:56:58.328" v="11" actId="478"/>
+        <pc:sldMkLst>
+          <pc:docMk/>
+          <pc:sldMk cId="2705736077" sldId="276"/>
+        </pc:sldMkLst>
+        <pc:picChg chg="del">
+          <ac:chgData name="Erkan ŞİRİN" userId="7f10ce1d6aaf8c5d" providerId="LiveId" clId="{2F474836-C37F-4ADA-9809-2FFDC123D409}" dt="2019-07-23T20:56:58.328" v="11" actId="478"/>
+          <ac:picMkLst>
+            <pc:docMk/>
+            <pc:sldMk cId="2705736077" sldId="276"/>
+            <ac:picMk id="17" creationId="{127C836C-9DE7-4EFB-B24F-809F178BA0DC}"/>
+          </ac:picMkLst>
+        </pc:picChg>
+      </pc:sldChg>
+      <pc:sldChg chg="delSp">
+        <pc:chgData name="Erkan ŞİRİN" userId="7f10ce1d6aaf8c5d" providerId="LiveId" clId="{2F474836-C37F-4ADA-9809-2FFDC123D409}" dt="2019-07-23T20:56:59.401" v="12" actId="478"/>
+        <pc:sldMkLst>
+          <pc:docMk/>
+          <pc:sldMk cId="3439609695" sldId="277"/>
+        </pc:sldMkLst>
+        <pc:picChg chg="del">
+          <ac:chgData name="Erkan ŞİRİN" userId="7f10ce1d6aaf8c5d" providerId="LiveId" clId="{2F474836-C37F-4ADA-9809-2FFDC123D409}" dt="2019-07-23T20:56:59.401" v="12" actId="478"/>
+          <ac:picMkLst>
+            <pc:docMk/>
+            <pc:sldMk cId="3439609695" sldId="277"/>
+            <ac:picMk id="19" creationId="{CEECDE7D-F565-41BD-B972-FCE173CF5895}"/>
+          </ac:picMkLst>
+        </pc:picChg>
+      </pc:sldChg>
+      <pc:sldChg chg="delSp">
+        <pc:chgData name="Erkan ŞİRİN" userId="7f10ce1d6aaf8c5d" providerId="LiveId" clId="{2F474836-C37F-4ADA-9809-2FFDC123D409}" dt="2019-07-23T20:57:00.456" v="13" actId="478"/>
+        <pc:sldMkLst>
+          <pc:docMk/>
+          <pc:sldMk cId="609757669" sldId="278"/>
+        </pc:sldMkLst>
+        <pc:picChg chg="del">
+          <ac:chgData name="Erkan ŞİRİN" userId="7f10ce1d6aaf8c5d" providerId="LiveId" clId="{2F474836-C37F-4ADA-9809-2FFDC123D409}" dt="2019-07-23T20:57:00.456" v="13" actId="478"/>
+          <ac:picMkLst>
+            <pc:docMk/>
+            <pc:sldMk cId="609757669" sldId="278"/>
+            <ac:picMk id="17" creationId="{03C8DDA7-60CC-4E46-8E77-2F04B6958BF4}"/>
+          </ac:picMkLst>
+        </pc:picChg>
+      </pc:sldChg>
+      <pc:sldChg chg="delSp">
+        <pc:chgData name="Erkan ŞİRİN" userId="7f10ce1d6aaf8c5d" providerId="LiveId" clId="{2F474836-C37F-4ADA-9809-2FFDC123D409}" dt="2019-07-23T20:56:55.022" v="8" actId="478"/>
+        <pc:sldMkLst>
+          <pc:docMk/>
+          <pc:sldMk cId="1878701459" sldId="279"/>
+        </pc:sldMkLst>
+        <pc:picChg chg="del">
+          <ac:chgData name="Erkan ŞİRİN" userId="7f10ce1d6aaf8c5d" providerId="LiveId" clId="{2F474836-C37F-4ADA-9809-2FFDC123D409}" dt="2019-07-23T20:56:55.022" v="8" actId="478"/>
+          <ac:picMkLst>
+            <pc:docMk/>
+            <pc:sldMk cId="1878701459" sldId="279"/>
+            <ac:picMk id="17" creationId="{F40B463A-A51C-493B-902A-F2A8A977341B}"/>
+          </ac:picMkLst>
+        </pc:picChg>
+      </pc:sldChg>
+      <pc:sldChg chg="delSp">
+        <pc:chgData name="Erkan ŞİRİN" userId="7f10ce1d6aaf8c5d" providerId="LiveId" clId="{2F474836-C37F-4ADA-9809-2FFDC123D409}" dt="2019-07-23T20:56:56.155" v="9" actId="478"/>
+        <pc:sldMkLst>
+          <pc:docMk/>
+          <pc:sldMk cId="830215775" sldId="280"/>
+        </pc:sldMkLst>
+        <pc:picChg chg="del">
+          <ac:chgData name="Erkan ŞİRİN" userId="7f10ce1d6aaf8c5d" providerId="LiveId" clId="{2F474836-C37F-4ADA-9809-2FFDC123D409}" dt="2019-07-23T20:56:56.155" v="9" actId="478"/>
+          <ac:picMkLst>
+            <pc:docMk/>
+            <pc:sldMk cId="830215775" sldId="280"/>
+            <ac:picMk id="17" creationId="{08A24D17-9241-4C96-8BCB-3799B08900F7}"/>
+          </ac:picMkLst>
+        </pc:picChg>
+      </pc:sldChg>
+      <pc:sldChg chg="delSp">
+        <pc:chgData name="Erkan ŞİRİN" userId="7f10ce1d6aaf8c5d" providerId="LiveId" clId="{2F474836-C37F-4ADA-9809-2FFDC123D409}" dt="2019-07-23T20:56:57.251" v="10" actId="478"/>
+        <pc:sldMkLst>
+          <pc:docMk/>
+          <pc:sldMk cId="1641086002" sldId="281"/>
+        </pc:sldMkLst>
+        <pc:picChg chg="del">
+          <ac:chgData name="Erkan ŞİRİN" userId="7f10ce1d6aaf8c5d" providerId="LiveId" clId="{2F474836-C37F-4ADA-9809-2FFDC123D409}" dt="2019-07-23T20:56:57.251" v="10" actId="478"/>
+          <ac:picMkLst>
+            <pc:docMk/>
+            <pc:sldMk cId="1641086002" sldId="281"/>
+            <ac:picMk id="17" creationId="{CE4A6876-B187-4804-ABFE-9EE930E33F4A}"/>
+          </ac:picMkLst>
+        </pc:picChg>
+      </pc:sldChg>
+      <pc:sldChg chg="delSp">
+        <pc:chgData name="Erkan ŞİRİN" userId="7f10ce1d6aaf8c5d" providerId="LiveId" clId="{2F474836-C37F-4ADA-9809-2FFDC123D409}" dt="2019-07-23T20:57:04.988" v="17" actId="478"/>
+        <pc:sldMkLst>
+          <pc:docMk/>
+          <pc:sldMk cId="914450941" sldId="282"/>
+        </pc:sldMkLst>
+        <pc:picChg chg="del">
+          <ac:chgData name="Erkan ŞİRİN" userId="7f10ce1d6aaf8c5d" providerId="LiveId" clId="{2F474836-C37F-4ADA-9809-2FFDC123D409}" dt="2019-07-23T20:57:04.988" v="17" actId="478"/>
+          <ac:picMkLst>
+            <pc:docMk/>
+            <pc:sldMk cId="914450941" sldId="282"/>
+            <ac:picMk id="17" creationId="{1FC67AF2-4595-409D-82E6-0C4AE17895D2}"/>
+          </ac:picMkLst>
+        </pc:picChg>
+      </pc:sldChg>
+      <pc:sldChg chg="delSp">
+        <pc:chgData name="Erkan ŞİRİN" userId="7f10ce1d6aaf8c5d" providerId="LiveId" clId="{2F474836-C37F-4ADA-9809-2FFDC123D409}" dt="2019-07-23T20:57:02.736" v="15" actId="478"/>
+        <pc:sldMkLst>
+          <pc:docMk/>
+          <pc:sldMk cId="730217623" sldId="283"/>
+        </pc:sldMkLst>
+        <pc:picChg chg="del">
+          <ac:chgData name="Erkan ŞİRİN" userId="7f10ce1d6aaf8c5d" providerId="LiveId" clId="{2F474836-C37F-4ADA-9809-2FFDC123D409}" dt="2019-07-23T20:57:02.736" v="15" actId="478"/>
+          <ac:picMkLst>
+            <pc:docMk/>
+            <pc:sldMk cId="730217623" sldId="283"/>
+            <ac:picMk id="17" creationId="{A9E8E401-61AB-42D9-816B-A3E48AE78E36}"/>
+          </ac:picMkLst>
+        </pc:picChg>
+      </pc:sldChg>
+      <pc:sldChg chg="delSp">
+        <pc:chgData name="Erkan ŞİRİN" userId="7f10ce1d6aaf8c5d" providerId="LiveId" clId="{2F474836-C37F-4ADA-9809-2FFDC123D409}" dt="2019-07-23T20:57:06.098" v="18" actId="478"/>
+        <pc:sldMkLst>
+          <pc:docMk/>
+          <pc:sldMk cId="1541766767" sldId="285"/>
+        </pc:sldMkLst>
+        <pc:picChg chg="del">
+          <ac:chgData name="Erkan ŞİRİN" userId="7f10ce1d6aaf8c5d" providerId="LiveId" clId="{2F474836-C37F-4ADA-9809-2FFDC123D409}" dt="2019-07-23T20:57:06.098" v="18" actId="478"/>
+          <ac:picMkLst>
+            <pc:docMk/>
+            <pc:sldMk cId="1541766767" sldId="285"/>
+            <ac:picMk id="17" creationId="{CC9B7453-A916-4140-9763-CC006BC29ACE}"/>
+          </ac:picMkLst>
+        </pc:picChg>
+      </pc:sldChg>
+      <pc:sldChg chg="delSp">
+        <pc:chgData name="Erkan ŞİRİN" userId="7f10ce1d6aaf8c5d" providerId="LiveId" clId="{2F474836-C37F-4ADA-9809-2FFDC123D409}" dt="2019-07-23T20:57:09.749" v="21" actId="478"/>
+        <pc:sldMkLst>
+          <pc:docMk/>
+          <pc:sldMk cId="20570779" sldId="286"/>
+        </pc:sldMkLst>
+        <pc:picChg chg="del">
+          <ac:chgData name="Erkan ŞİRİN" userId="7f10ce1d6aaf8c5d" providerId="LiveId" clId="{2F474836-C37F-4ADA-9809-2FFDC123D409}" dt="2019-07-23T20:57:09.749" v="21" actId="478"/>
+          <ac:picMkLst>
+            <pc:docMk/>
+            <pc:sldMk cId="20570779" sldId="286"/>
+            <ac:picMk id="17" creationId="{9C3AB74E-95E6-46DF-AF12-569CA34CE938}"/>
+          </ac:picMkLst>
+        </pc:picChg>
+      </pc:sldChg>
+      <pc:sldChg chg="delSp">
+        <pc:chgData name="Erkan ŞİRİN" userId="7f10ce1d6aaf8c5d" providerId="LiveId" clId="{2F474836-C37F-4ADA-9809-2FFDC123D409}" dt="2019-07-23T20:57:10.895" v="22" actId="478"/>
+        <pc:sldMkLst>
+          <pc:docMk/>
+          <pc:sldMk cId="639339330" sldId="287"/>
+        </pc:sldMkLst>
+        <pc:picChg chg="del">
+          <ac:chgData name="Erkan ŞİRİN" userId="7f10ce1d6aaf8c5d" providerId="LiveId" clId="{2F474836-C37F-4ADA-9809-2FFDC123D409}" dt="2019-07-23T20:57:10.895" v="22" actId="478"/>
+          <ac:picMkLst>
+            <pc:docMk/>
+            <pc:sldMk cId="639339330" sldId="287"/>
+            <ac:picMk id="17" creationId="{A91F8B91-5CA2-4A92-A59D-EEC04643833F}"/>
+          </ac:picMkLst>
+        </pc:picChg>
+      </pc:sldChg>
+      <pc:sldChg chg="delSp">
+        <pc:chgData name="Erkan ŞİRİN" userId="7f10ce1d6aaf8c5d" providerId="LiveId" clId="{2F474836-C37F-4ADA-9809-2FFDC123D409}" dt="2019-07-23T20:57:08.639" v="20" actId="478"/>
+        <pc:sldMkLst>
+          <pc:docMk/>
+          <pc:sldMk cId="3187938450" sldId="288"/>
+        </pc:sldMkLst>
+        <pc:picChg chg="del">
+          <ac:chgData name="Erkan ŞİRİN" userId="7f10ce1d6aaf8c5d" providerId="LiveId" clId="{2F474836-C37F-4ADA-9809-2FFDC123D409}" dt="2019-07-23T20:57:08.639" v="20" actId="478"/>
+          <ac:picMkLst>
+            <pc:docMk/>
+            <pc:sldMk cId="3187938450" sldId="288"/>
+            <ac:picMk id="28" creationId="{FEDBDA92-779E-44B4-A41C-7D0AC767102D}"/>
+          </ac:picMkLst>
+        </pc:picChg>
+      </pc:sldChg>
+      <pc:sldChg chg="delSp">
+        <pc:chgData name="Erkan ŞİRİN" userId="7f10ce1d6aaf8c5d" providerId="LiveId" clId="{2F474836-C37F-4ADA-9809-2FFDC123D409}" dt="2019-07-23T20:57:07.201" v="19" actId="478"/>
+        <pc:sldMkLst>
+          <pc:docMk/>
+          <pc:sldMk cId="2153035458" sldId="289"/>
+        </pc:sldMkLst>
+        <pc:picChg chg="del">
+          <ac:chgData name="Erkan ŞİRİN" userId="7f10ce1d6aaf8c5d" providerId="LiveId" clId="{2F474836-C37F-4ADA-9809-2FFDC123D409}" dt="2019-07-23T20:57:07.201" v="19" actId="478"/>
+          <ac:picMkLst>
+            <pc:docMk/>
+            <pc:sldMk cId="2153035458" sldId="289"/>
+            <ac:picMk id="17" creationId="{4ED12AE3-F4BF-4D15-A98F-1507F9350D25}"/>
+          </ac:picMkLst>
+        </pc:picChg>
       </pc:sldChg>
     </pc:docChg>
   </pc:docChgLst>
@@ -1023,7 +1292,7 @@
           <a:p>
             <a:fld id="{6F77F576-AE14-466D-AA6B-335273622B21}" type="datetimeFigureOut">
               <a:rPr lang="en-US" smtClean="0"/>
-              <a:t>5/7/2019</a:t>
+              <a:t>7/23/2019</a:t>
             </a:fld>
             <a:endParaRPr lang="en-US"/>
           </a:p>
@@ -1422,7 +1691,7 @@
           <a:p>
             <a:fld id="{54AA066D-271F-4C1A-B89A-0705A7689EE9}" type="datetimeFigureOut">
               <a:rPr lang="en-US" smtClean="0"/>
-              <a:t>5/7/2019</a:t>
+              <a:t>7/23/2019</a:t>
             </a:fld>
             <a:endParaRPr lang="en-US"/>
           </a:p>
@@ -1592,7 +1861,7 @@
           <a:p>
             <a:fld id="{54AA066D-271F-4C1A-B89A-0705A7689EE9}" type="datetimeFigureOut">
               <a:rPr lang="en-US" smtClean="0"/>
-              <a:t>5/7/2019</a:t>
+              <a:t>7/23/2019</a:t>
             </a:fld>
             <a:endParaRPr lang="en-US"/>
           </a:p>
@@ -1772,7 +2041,7 @@
           <a:p>
             <a:fld id="{54AA066D-271F-4C1A-B89A-0705A7689EE9}" type="datetimeFigureOut">
               <a:rPr lang="en-US" smtClean="0"/>
-              <a:t>5/7/2019</a:t>
+              <a:t>7/23/2019</a:t>
             </a:fld>
             <a:endParaRPr lang="en-US"/>
           </a:p>
@@ -1942,7 +2211,7 @@
           <a:p>
             <a:fld id="{54AA066D-271F-4C1A-B89A-0705A7689EE9}" type="datetimeFigureOut">
               <a:rPr lang="en-US" smtClean="0"/>
-              <a:t>5/7/2019</a:t>
+              <a:t>7/23/2019</a:t>
             </a:fld>
             <a:endParaRPr lang="en-US"/>
           </a:p>
@@ -2188,7 +2457,7 @@
           <a:p>
             <a:fld id="{54AA066D-271F-4C1A-B89A-0705A7689EE9}" type="datetimeFigureOut">
               <a:rPr lang="en-US" smtClean="0"/>
-              <a:t>5/7/2019</a:t>
+              <a:t>7/23/2019</a:t>
             </a:fld>
             <a:endParaRPr lang="en-US"/>
           </a:p>
@@ -2420,7 +2689,7 @@
           <a:p>
             <a:fld id="{54AA066D-271F-4C1A-B89A-0705A7689EE9}" type="datetimeFigureOut">
               <a:rPr lang="en-US" smtClean="0"/>
-              <a:t>5/7/2019</a:t>
+              <a:t>7/23/2019</a:t>
             </a:fld>
             <a:endParaRPr lang="en-US"/>
           </a:p>
@@ -2787,7 +3056,7 @@
           <a:p>
             <a:fld id="{54AA066D-271F-4C1A-B89A-0705A7689EE9}" type="datetimeFigureOut">
               <a:rPr lang="en-US" smtClean="0"/>
-              <a:t>5/7/2019</a:t>
+              <a:t>7/23/2019</a:t>
             </a:fld>
             <a:endParaRPr lang="en-US"/>
           </a:p>
@@ -2905,7 +3174,7 @@
           <a:p>
             <a:fld id="{54AA066D-271F-4C1A-B89A-0705A7689EE9}" type="datetimeFigureOut">
               <a:rPr lang="en-US" smtClean="0"/>
-              <a:t>5/7/2019</a:t>
+              <a:t>7/23/2019</a:t>
             </a:fld>
             <a:endParaRPr lang="en-US"/>
           </a:p>
@@ -3000,7 +3269,7 @@
           <a:p>
             <a:fld id="{54AA066D-271F-4C1A-B89A-0705A7689EE9}" type="datetimeFigureOut">
               <a:rPr lang="en-US" smtClean="0"/>
-              <a:t>5/7/2019</a:t>
+              <a:t>7/23/2019</a:t>
             </a:fld>
             <a:endParaRPr lang="en-US"/>
           </a:p>
@@ -3277,7 +3546,7 @@
           <a:p>
             <a:fld id="{54AA066D-271F-4C1A-B89A-0705A7689EE9}" type="datetimeFigureOut">
               <a:rPr lang="en-US" smtClean="0"/>
-              <a:t>5/7/2019</a:t>
+              <a:t>7/23/2019</a:t>
             </a:fld>
             <a:endParaRPr lang="en-US"/>
           </a:p>
@@ -3530,7 +3799,7 @@
           <a:p>
             <a:fld id="{54AA066D-271F-4C1A-B89A-0705A7689EE9}" type="datetimeFigureOut">
               <a:rPr lang="en-US" smtClean="0"/>
-              <a:t>5/7/2019</a:t>
+              <a:t>7/23/2019</a:t>
             </a:fld>
             <a:endParaRPr lang="en-US"/>
           </a:p>
@@ -3743,7 +4012,7 @@
           <a:p>
             <a:fld id="{54AA066D-271F-4C1A-B89A-0705A7689EE9}" type="datetimeFigureOut">
               <a:rPr lang="en-US" smtClean="0"/>
-              <a:t>5/7/2019</a:t>
+              <a:t>7/23/2019</a:t>
             </a:fld>
             <a:endParaRPr lang="en-US"/>
           </a:p>
@@ -4270,42 +4539,6 @@
           </a:prstGeom>
         </p:spPr>
       </p:pic>
-      <p:pic>
-        <p:nvPicPr>
-          <p:cNvPr id="17" name="Resim 16">
-            <a:extLst>
-              <a:ext uri="{FF2B5EF4-FFF2-40B4-BE49-F238E27FC236}">
-                <a16:creationId xmlns:a16="http://schemas.microsoft.com/office/drawing/2014/main" id="{FE6E8A76-A9FF-4F61-90E0-B86912C27930}"/>
-              </a:ext>
-            </a:extLst>
-          </p:cNvPr>
-          <p:cNvPicPr>
-            <a:picLocks noChangeAspect="1"/>
-          </p:cNvPicPr>
-          <p:nvPr/>
-        </p:nvPicPr>
-        <p:blipFill>
-          <a:blip r:embed="rId3">
-            <a:extLst>
-              <a:ext uri="{28A0092B-C50C-407E-A947-70E740481C1C}">
-                <a14:useLocalDpi xmlns:a14="http://schemas.microsoft.com/office/drawing/2010/main" val="0"/>
-              </a:ext>
-            </a:extLst>
-          </a:blip>
-          <a:stretch>
-            <a:fillRect/>
-          </a:stretch>
-        </p:blipFill>
-        <p:spPr>
-          <a:xfrm>
-            <a:off x="340622" y="6362072"/>
-            <a:ext cx="2154700" cy="308365"/>
-          </a:xfrm>
-          <a:prstGeom prst="rect">
-            <a:avLst/>
-          </a:prstGeom>
-        </p:spPr>
-      </p:pic>
     </p:spTree>
     <p:extLst>
       <p:ext uri="{BB962C8B-B14F-4D97-AF65-F5344CB8AC3E}">
@@ -4744,42 +4977,6 @@
           </a:p>
         </p:txBody>
       </p:sp>
-      <p:pic>
-        <p:nvPicPr>
-          <p:cNvPr id="17" name="Resim 16">
-            <a:extLst>
-              <a:ext uri="{FF2B5EF4-FFF2-40B4-BE49-F238E27FC236}">
-                <a16:creationId xmlns:a16="http://schemas.microsoft.com/office/drawing/2014/main" id="{F40B463A-A51C-493B-902A-F2A8A977341B}"/>
-              </a:ext>
-            </a:extLst>
-          </p:cNvPr>
-          <p:cNvPicPr>
-            <a:picLocks noChangeAspect="1"/>
-          </p:cNvPicPr>
-          <p:nvPr/>
-        </p:nvPicPr>
-        <p:blipFill>
-          <a:blip r:embed="rId2">
-            <a:extLst>
-              <a:ext uri="{28A0092B-C50C-407E-A947-70E740481C1C}">
-                <a14:useLocalDpi xmlns:a14="http://schemas.microsoft.com/office/drawing/2010/main" val="0"/>
-              </a:ext>
-            </a:extLst>
-          </a:blip>
-          <a:stretch>
-            <a:fillRect/>
-          </a:stretch>
-        </p:blipFill>
-        <p:spPr>
-          <a:xfrm>
-            <a:off x="340622" y="6362072"/>
-            <a:ext cx="2154700" cy="308365"/>
-          </a:xfrm>
-          <a:prstGeom prst="rect">
-            <a:avLst/>
-          </a:prstGeom>
-        </p:spPr>
-      </p:pic>
     </p:spTree>
     <p:extLst>
       <p:ext uri="{BB962C8B-B14F-4D97-AF65-F5344CB8AC3E}">
@@ -5284,42 +5481,6 @@
           </a:p>
         </p:txBody>
       </p:sp>
-      <p:pic>
-        <p:nvPicPr>
-          <p:cNvPr id="17" name="Resim 16">
-            <a:extLst>
-              <a:ext uri="{FF2B5EF4-FFF2-40B4-BE49-F238E27FC236}">
-                <a16:creationId xmlns:a16="http://schemas.microsoft.com/office/drawing/2014/main" id="{08A24D17-9241-4C96-8BCB-3799B08900F7}"/>
-              </a:ext>
-            </a:extLst>
-          </p:cNvPr>
-          <p:cNvPicPr>
-            <a:picLocks noChangeAspect="1"/>
-          </p:cNvPicPr>
-          <p:nvPr/>
-        </p:nvPicPr>
-        <p:blipFill>
-          <a:blip r:embed="rId2">
-            <a:extLst>
-              <a:ext uri="{28A0092B-C50C-407E-A947-70E740481C1C}">
-                <a14:useLocalDpi xmlns:a14="http://schemas.microsoft.com/office/drawing/2010/main" val="0"/>
-              </a:ext>
-            </a:extLst>
-          </a:blip>
-          <a:stretch>
-            <a:fillRect/>
-          </a:stretch>
-        </p:blipFill>
-        <p:spPr>
-          <a:xfrm>
-            <a:off x="340622" y="6362072"/>
-            <a:ext cx="2154700" cy="308365"/>
-          </a:xfrm>
-          <a:prstGeom prst="rect">
-            <a:avLst/>
-          </a:prstGeom>
-        </p:spPr>
-      </p:pic>
     </p:spTree>
     <p:extLst>
       <p:ext uri="{BB962C8B-B14F-4D97-AF65-F5344CB8AC3E}">
@@ -5797,42 +5958,6 @@
           </a:p>
         </p:txBody>
       </p:sp>
-      <p:pic>
-        <p:nvPicPr>
-          <p:cNvPr id="17" name="Resim 16">
-            <a:extLst>
-              <a:ext uri="{FF2B5EF4-FFF2-40B4-BE49-F238E27FC236}">
-                <a16:creationId xmlns:a16="http://schemas.microsoft.com/office/drawing/2014/main" id="{CE4A6876-B187-4804-ABFE-9EE930E33F4A}"/>
-              </a:ext>
-            </a:extLst>
-          </p:cNvPr>
-          <p:cNvPicPr>
-            <a:picLocks noChangeAspect="1"/>
-          </p:cNvPicPr>
-          <p:nvPr/>
-        </p:nvPicPr>
-        <p:blipFill>
-          <a:blip r:embed="rId2">
-            <a:extLst>
-              <a:ext uri="{28A0092B-C50C-407E-A947-70E740481C1C}">
-                <a14:useLocalDpi xmlns:a14="http://schemas.microsoft.com/office/drawing/2010/main" val="0"/>
-              </a:ext>
-            </a:extLst>
-          </a:blip>
-          <a:stretch>
-            <a:fillRect/>
-          </a:stretch>
-        </p:blipFill>
-        <p:spPr>
-          <a:xfrm>
-            <a:off x="340622" y="6362072"/>
-            <a:ext cx="2154700" cy="308365"/>
-          </a:xfrm>
-          <a:prstGeom prst="rect">
-            <a:avLst/>
-          </a:prstGeom>
-        </p:spPr>
-      </p:pic>
     </p:spTree>
     <p:extLst>
       <p:ext uri="{BB962C8B-B14F-4D97-AF65-F5344CB8AC3E}">
@@ -6002,42 +6127,6 @@
           </a:p>
         </p:txBody>
       </p:sp>
-      <p:pic>
-        <p:nvPicPr>
-          <p:cNvPr id="17" name="Resim 16">
-            <a:extLst>
-              <a:ext uri="{FF2B5EF4-FFF2-40B4-BE49-F238E27FC236}">
-                <a16:creationId xmlns:a16="http://schemas.microsoft.com/office/drawing/2014/main" id="{127C836C-9DE7-4EFB-B24F-809F178BA0DC}"/>
-              </a:ext>
-            </a:extLst>
-          </p:cNvPr>
-          <p:cNvPicPr>
-            <a:picLocks noChangeAspect="1"/>
-          </p:cNvPicPr>
-          <p:nvPr/>
-        </p:nvPicPr>
-        <p:blipFill>
-          <a:blip r:embed="rId3">
-            <a:extLst>
-              <a:ext uri="{28A0092B-C50C-407E-A947-70E740481C1C}">
-                <a14:useLocalDpi xmlns:a14="http://schemas.microsoft.com/office/drawing/2010/main" val="0"/>
-              </a:ext>
-            </a:extLst>
-          </a:blip>
-          <a:stretch>
-            <a:fillRect/>
-          </a:stretch>
-        </p:blipFill>
-        <p:spPr>
-          <a:xfrm>
-            <a:off x="340622" y="6362072"/>
-            <a:ext cx="2154700" cy="308365"/>
-          </a:xfrm>
-          <a:prstGeom prst="rect">
-            <a:avLst/>
-          </a:prstGeom>
-        </p:spPr>
-      </p:pic>
     </p:spTree>
     <p:extLst>
       <p:ext uri="{BB962C8B-B14F-4D97-AF65-F5344CB8AC3E}">
@@ -6301,42 +6390,6 @@
           </a:p>
         </p:txBody>
       </p:sp>
-      <p:pic>
-        <p:nvPicPr>
-          <p:cNvPr id="19" name="Resim 18">
-            <a:extLst>
-              <a:ext uri="{FF2B5EF4-FFF2-40B4-BE49-F238E27FC236}">
-                <a16:creationId xmlns:a16="http://schemas.microsoft.com/office/drawing/2014/main" id="{CEECDE7D-F565-41BD-B972-FCE173CF5895}"/>
-              </a:ext>
-            </a:extLst>
-          </p:cNvPr>
-          <p:cNvPicPr>
-            <a:picLocks noChangeAspect="1"/>
-          </p:cNvPicPr>
-          <p:nvPr/>
-        </p:nvPicPr>
-        <p:blipFill>
-          <a:blip r:embed="rId3">
-            <a:extLst>
-              <a:ext uri="{28A0092B-C50C-407E-A947-70E740481C1C}">
-                <a14:useLocalDpi xmlns:a14="http://schemas.microsoft.com/office/drawing/2010/main" val="0"/>
-              </a:ext>
-            </a:extLst>
-          </a:blip>
-          <a:stretch>
-            <a:fillRect/>
-          </a:stretch>
-        </p:blipFill>
-        <p:spPr>
-          <a:xfrm>
-            <a:off x="340622" y="6362072"/>
-            <a:ext cx="2154700" cy="308365"/>
-          </a:xfrm>
-          <a:prstGeom prst="rect">
-            <a:avLst/>
-          </a:prstGeom>
-        </p:spPr>
-      </p:pic>
     </p:spTree>
     <p:extLst>
       <p:ext uri="{BB962C8B-B14F-4D97-AF65-F5344CB8AC3E}">
@@ -7000,42 +7053,6 @@
           </a:p>
         </p:txBody>
       </p:sp>
-      <p:pic>
-        <p:nvPicPr>
-          <p:cNvPr id="17" name="Resim 16">
-            <a:extLst>
-              <a:ext uri="{FF2B5EF4-FFF2-40B4-BE49-F238E27FC236}">
-                <a16:creationId xmlns:a16="http://schemas.microsoft.com/office/drawing/2014/main" id="{03C8DDA7-60CC-4E46-8E77-2F04B6958BF4}"/>
-              </a:ext>
-            </a:extLst>
-          </p:cNvPr>
-          <p:cNvPicPr>
-            <a:picLocks noChangeAspect="1"/>
-          </p:cNvPicPr>
-          <p:nvPr/>
-        </p:nvPicPr>
-        <p:blipFill>
-          <a:blip r:embed="rId2">
-            <a:extLst>
-              <a:ext uri="{28A0092B-C50C-407E-A947-70E740481C1C}">
-                <a14:useLocalDpi xmlns:a14="http://schemas.microsoft.com/office/drawing/2010/main" val="0"/>
-              </a:ext>
-            </a:extLst>
-          </a:blip>
-          <a:stretch>
-            <a:fillRect/>
-          </a:stretch>
-        </p:blipFill>
-        <p:spPr>
-          <a:xfrm>
-            <a:off x="340622" y="6362072"/>
-            <a:ext cx="2154700" cy="308365"/>
-          </a:xfrm>
-          <a:prstGeom prst="rect">
-            <a:avLst/>
-          </a:prstGeom>
-        </p:spPr>
-      </p:pic>
     </p:spTree>
     <p:extLst>
       <p:ext uri="{BB962C8B-B14F-4D97-AF65-F5344CB8AC3E}">
@@ -7614,42 +7631,6 @@
           </a:p>
         </p:txBody>
       </p:sp>
-      <p:pic>
-        <p:nvPicPr>
-          <p:cNvPr id="17" name="Resim 16">
-            <a:extLst>
-              <a:ext uri="{FF2B5EF4-FFF2-40B4-BE49-F238E27FC236}">
-                <a16:creationId xmlns:a16="http://schemas.microsoft.com/office/drawing/2014/main" id="{055224D9-32F4-45B5-8346-14AC7B863EBF}"/>
-              </a:ext>
-            </a:extLst>
-          </p:cNvPr>
-          <p:cNvPicPr>
-            <a:picLocks noChangeAspect="1"/>
-          </p:cNvPicPr>
-          <p:nvPr/>
-        </p:nvPicPr>
-        <p:blipFill>
-          <a:blip r:embed="rId2">
-            <a:extLst>
-              <a:ext uri="{28A0092B-C50C-407E-A947-70E740481C1C}">
-                <a14:useLocalDpi xmlns:a14="http://schemas.microsoft.com/office/drawing/2010/main" val="0"/>
-              </a:ext>
-            </a:extLst>
-          </a:blip>
-          <a:stretch>
-            <a:fillRect/>
-          </a:stretch>
-        </p:blipFill>
-        <p:spPr>
-          <a:xfrm>
-            <a:off x="340622" y="6362072"/>
-            <a:ext cx="2154700" cy="308365"/>
-          </a:xfrm>
-          <a:prstGeom prst="rect">
-            <a:avLst/>
-          </a:prstGeom>
-        </p:spPr>
-      </p:pic>
     </p:spTree>
     <p:extLst>
       <p:ext uri="{BB962C8B-B14F-4D97-AF65-F5344CB8AC3E}">
@@ -7815,42 +7796,6 @@
           <a:xfrm>
             <a:off x="228596" y="858921"/>
             <a:ext cx="4581525" cy="542925"/>
-          </a:xfrm>
-          <a:prstGeom prst="rect">
-            <a:avLst/>
-          </a:prstGeom>
-        </p:spPr>
-      </p:pic>
-      <p:pic>
-        <p:nvPicPr>
-          <p:cNvPr id="17" name="Resim 16">
-            <a:extLst>
-              <a:ext uri="{FF2B5EF4-FFF2-40B4-BE49-F238E27FC236}">
-                <a16:creationId xmlns:a16="http://schemas.microsoft.com/office/drawing/2014/main" id="{A9E8E401-61AB-42D9-816B-A3E48AE78E36}"/>
-              </a:ext>
-            </a:extLst>
-          </p:cNvPr>
-          <p:cNvPicPr>
-            <a:picLocks noChangeAspect="1"/>
-          </p:cNvPicPr>
-          <p:nvPr/>
-        </p:nvPicPr>
-        <p:blipFill>
-          <a:blip r:embed="rId4">
-            <a:extLst>
-              <a:ext uri="{28A0092B-C50C-407E-A947-70E740481C1C}">
-                <a14:useLocalDpi xmlns:a14="http://schemas.microsoft.com/office/drawing/2010/main" val="0"/>
-              </a:ext>
-            </a:extLst>
-          </a:blip>
-          <a:stretch>
-            <a:fillRect/>
-          </a:stretch>
-        </p:blipFill>
-        <p:spPr>
-          <a:xfrm>
-            <a:off x="340622" y="6362072"/>
-            <a:ext cx="2154700" cy="308365"/>
           </a:xfrm>
           <a:prstGeom prst="rect">
             <a:avLst/>
@@ -7998,42 +7943,6 @@
           </a:prstGeom>
         </p:spPr>
       </p:pic>
-      <p:pic>
-        <p:nvPicPr>
-          <p:cNvPr id="17" name="Resim 16">
-            <a:extLst>
-              <a:ext uri="{FF2B5EF4-FFF2-40B4-BE49-F238E27FC236}">
-                <a16:creationId xmlns:a16="http://schemas.microsoft.com/office/drawing/2014/main" id="{8262D727-C678-4F89-9738-43903E0F5957}"/>
-              </a:ext>
-            </a:extLst>
-          </p:cNvPr>
-          <p:cNvPicPr>
-            <a:picLocks noChangeAspect="1"/>
-          </p:cNvPicPr>
-          <p:nvPr/>
-        </p:nvPicPr>
-        <p:blipFill>
-          <a:blip r:embed="rId3">
-            <a:extLst>
-              <a:ext uri="{28A0092B-C50C-407E-A947-70E740481C1C}">
-                <a14:useLocalDpi xmlns:a14="http://schemas.microsoft.com/office/drawing/2010/main" val="0"/>
-              </a:ext>
-            </a:extLst>
-          </a:blip>
-          <a:stretch>
-            <a:fillRect/>
-          </a:stretch>
-        </p:blipFill>
-        <p:spPr>
-          <a:xfrm>
-            <a:off x="340622" y="6362072"/>
-            <a:ext cx="2154700" cy="308365"/>
-          </a:xfrm>
-          <a:prstGeom prst="rect">
-            <a:avLst/>
-          </a:prstGeom>
-        </p:spPr>
-      </p:pic>
     </p:spTree>
     <p:extLst>
       <p:ext uri="{BB962C8B-B14F-4D97-AF65-F5344CB8AC3E}">
@@ -8169,42 +8078,6 @@
           <a:xfrm>
             <a:off x="755381" y="819929"/>
             <a:ext cx="10236273" cy="4917896"/>
-          </a:xfrm>
-          <a:prstGeom prst="rect">
-            <a:avLst/>
-          </a:prstGeom>
-        </p:spPr>
-      </p:pic>
-      <p:pic>
-        <p:nvPicPr>
-          <p:cNvPr id="17" name="Resim 16">
-            <a:extLst>
-              <a:ext uri="{FF2B5EF4-FFF2-40B4-BE49-F238E27FC236}">
-                <a16:creationId xmlns:a16="http://schemas.microsoft.com/office/drawing/2014/main" id="{1FC67AF2-4595-409D-82E6-0C4AE17895D2}"/>
-              </a:ext>
-            </a:extLst>
-          </p:cNvPr>
-          <p:cNvPicPr>
-            <a:picLocks noChangeAspect="1"/>
-          </p:cNvPicPr>
-          <p:nvPr/>
-        </p:nvPicPr>
-        <p:blipFill>
-          <a:blip r:embed="rId3">
-            <a:extLst>
-              <a:ext uri="{28A0092B-C50C-407E-A947-70E740481C1C}">
-                <a14:useLocalDpi xmlns:a14="http://schemas.microsoft.com/office/drawing/2010/main" val="0"/>
-              </a:ext>
-            </a:extLst>
-          </a:blip>
-          <a:stretch>
-            <a:fillRect/>
-          </a:stretch>
-        </p:blipFill>
-        <p:spPr>
-          <a:xfrm>
-            <a:off x="340622" y="6362072"/>
-            <a:ext cx="2154700" cy="308365"/>
           </a:xfrm>
           <a:prstGeom prst="rect">
             <a:avLst/>
@@ -17073,42 +16946,6 @@
           </a:prstGeom>
         </p:spPr>
       </p:pic>
-      <p:pic>
-        <p:nvPicPr>
-          <p:cNvPr id="262" name="Resim 261">
-            <a:extLst>
-              <a:ext uri="{FF2B5EF4-FFF2-40B4-BE49-F238E27FC236}">
-                <a16:creationId xmlns:a16="http://schemas.microsoft.com/office/drawing/2014/main" id="{F77ECBC3-329F-4767-987C-C5E1246DE32F}"/>
-              </a:ext>
-            </a:extLst>
-          </p:cNvPr>
-          <p:cNvPicPr>
-            <a:picLocks noChangeAspect="1"/>
-          </p:cNvPicPr>
-          <p:nvPr/>
-        </p:nvPicPr>
-        <p:blipFill>
-          <a:blip r:embed="rId6">
-            <a:extLst>
-              <a:ext uri="{28A0092B-C50C-407E-A947-70E740481C1C}">
-                <a14:useLocalDpi xmlns:a14="http://schemas.microsoft.com/office/drawing/2010/main" val="0"/>
-              </a:ext>
-            </a:extLst>
-          </a:blip>
-          <a:stretch>
-            <a:fillRect/>
-          </a:stretch>
-        </p:blipFill>
-        <p:spPr>
-          <a:xfrm>
-            <a:off x="340622" y="6362072"/>
-            <a:ext cx="2154700" cy="308365"/>
-          </a:xfrm>
-          <a:prstGeom prst="rect">
-            <a:avLst/>
-          </a:prstGeom>
-        </p:spPr>
-      </p:pic>
     </p:spTree>
     <p:extLst>
       <p:ext uri="{BB962C8B-B14F-4D97-AF65-F5344CB8AC3E}">
@@ -22833,42 +22670,6 @@
           </a:prstGeom>
         </p:spPr>
       </p:pic>
-      <p:pic>
-        <p:nvPicPr>
-          <p:cNvPr id="17" name="Resim 16">
-            <a:extLst>
-              <a:ext uri="{FF2B5EF4-FFF2-40B4-BE49-F238E27FC236}">
-                <a16:creationId xmlns:a16="http://schemas.microsoft.com/office/drawing/2014/main" id="{CC9B7453-A916-4140-9763-CC006BC29ACE}"/>
-              </a:ext>
-            </a:extLst>
-          </p:cNvPr>
-          <p:cNvPicPr>
-            <a:picLocks noChangeAspect="1"/>
-          </p:cNvPicPr>
-          <p:nvPr/>
-        </p:nvPicPr>
-        <p:blipFill>
-          <a:blip r:embed="rId3">
-            <a:extLst>
-              <a:ext uri="{28A0092B-C50C-407E-A947-70E740481C1C}">
-                <a14:useLocalDpi xmlns:a14="http://schemas.microsoft.com/office/drawing/2010/main" val="0"/>
-              </a:ext>
-            </a:extLst>
-          </a:blip>
-          <a:stretch>
-            <a:fillRect/>
-          </a:stretch>
-        </p:blipFill>
-        <p:spPr>
-          <a:xfrm>
-            <a:off x="340622" y="6362072"/>
-            <a:ext cx="2154700" cy="308365"/>
-          </a:xfrm>
-          <a:prstGeom prst="rect">
-            <a:avLst/>
-          </a:prstGeom>
-        </p:spPr>
-      </p:pic>
     </p:spTree>
     <p:extLst>
       <p:ext uri="{BB962C8B-B14F-4D97-AF65-F5344CB8AC3E}">
@@ -23015,42 +22816,6 @@
           <a:xfrm>
             <a:off x="4163311" y="518458"/>
             <a:ext cx="3743472" cy="2303675"/>
-          </a:xfrm>
-          <a:prstGeom prst="rect">
-            <a:avLst/>
-          </a:prstGeom>
-        </p:spPr>
-      </p:pic>
-      <p:pic>
-        <p:nvPicPr>
-          <p:cNvPr id="17" name="Resim 16">
-            <a:extLst>
-              <a:ext uri="{FF2B5EF4-FFF2-40B4-BE49-F238E27FC236}">
-                <a16:creationId xmlns:a16="http://schemas.microsoft.com/office/drawing/2014/main" id="{4ED12AE3-F4BF-4D15-A98F-1507F9350D25}"/>
-              </a:ext>
-            </a:extLst>
-          </p:cNvPr>
-          <p:cNvPicPr>
-            <a:picLocks noChangeAspect="1"/>
-          </p:cNvPicPr>
-          <p:nvPr/>
-        </p:nvPicPr>
-        <p:blipFill>
-          <a:blip r:embed="rId3">
-            <a:extLst>
-              <a:ext uri="{28A0092B-C50C-407E-A947-70E740481C1C}">
-                <a14:useLocalDpi xmlns:a14="http://schemas.microsoft.com/office/drawing/2010/main" val="0"/>
-              </a:ext>
-            </a:extLst>
-          </a:blip>
-          <a:stretch>
-            <a:fillRect/>
-          </a:stretch>
-        </p:blipFill>
-        <p:spPr>
-          <a:xfrm>
-            <a:off x="340622" y="6362072"/>
-            <a:ext cx="2154700" cy="308365"/>
           </a:xfrm>
           <a:prstGeom prst="rect">
             <a:avLst/>
@@ -24784,42 +24549,6 @@
           </a:graphicData>
         </a:graphic>
       </p:graphicFrame>
-      <p:pic>
-        <p:nvPicPr>
-          <p:cNvPr id="28" name="Resim 27">
-            <a:extLst>
-              <a:ext uri="{FF2B5EF4-FFF2-40B4-BE49-F238E27FC236}">
-                <a16:creationId xmlns:a16="http://schemas.microsoft.com/office/drawing/2014/main" id="{FEDBDA92-779E-44B4-A41C-7D0AC767102D}"/>
-              </a:ext>
-            </a:extLst>
-          </p:cNvPr>
-          <p:cNvPicPr>
-            <a:picLocks noChangeAspect="1"/>
-          </p:cNvPicPr>
-          <p:nvPr/>
-        </p:nvPicPr>
-        <p:blipFill>
-          <a:blip r:embed="rId6">
-            <a:extLst>
-              <a:ext uri="{28A0092B-C50C-407E-A947-70E740481C1C}">
-                <a14:useLocalDpi xmlns:a14="http://schemas.microsoft.com/office/drawing/2010/main" val="0"/>
-              </a:ext>
-            </a:extLst>
-          </a:blip>
-          <a:stretch>
-            <a:fillRect/>
-          </a:stretch>
-        </p:blipFill>
-        <p:spPr>
-          <a:xfrm>
-            <a:off x="340622" y="6362072"/>
-            <a:ext cx="2154700" cy="308365"/>
-          </a:xfrm>
-          <a:prstGeom prst="rect">
-            <a:avLst/>
-          </a:prstGeom>
-        </p:spPr>
-      </p:pic>
     </p:spTree>
     <p:extLst>
       <p:ext uri="{BB962C8B-B14F-4D97-AF65-F5344CB8AC3E}">
@@ -26054,42 +25783,6 @@
           </a:p>
         </p:txBody>
       </p:sp>
-      <p:pic>
-        <p:nvPicPr>
-          <p:cNvPr id="17" name="Resim 16">
-            <a:extLst>
-              <a:ext uri="{FF2B5EF4-FFF2-40B4-BE49-F238E27FC236}">
-                <a16:creationId xmlns:a16="http://schemas.microsoft.com/office/drawing/2014/main" id="{9C3AB74E-95E6-46DF-AF12-569CA34CE938}"/>
-              </a:ext>
-            </a:extLst>
-          </p:cNvPr>
-          <p:cNvPicPr>
-            <a:picLocks noChangeAspect="1"/>
-          </p:cNvPicPr>
-          <p:nvPr/>
-        </p:nvPicPr>
-        <p:blipFill>
-          <a:blip r:embed="rId3">
-            <a:extLst>
-              <a:ext uri="{28A0092B-C50C-407E-A947-70E740481C1C}">
-                <a14:useLocalDpi xmlns:a14="http://schemas.microsoft.com/office/drawing/2010/main" val="0"/>
-              </a:ext>
-            </a:extLst>
-          </a:blip>
-          <a:stretch>
-            <a:fillRect/>
-          </a:stretch>
-        </p:blipFill>
-        <p:spPr>
-          <a:xfrm>
-            <a:off x="340622" y="6362072"/>
-            <a:ext cx="2154700" cy="308365"/>
-          </a:xfrm>
-          <a:prstGeom prst="rect">
-            <a:avLst/>
-          </a:prstGeom>
-        </p:spPr>
-      </p:pic>
     </p:spTree>
     <p:extLst>
       <p:ext uri="{BB962C8B-B14F-4D97-AF65-F5344CB8AC3E}">
@@ -27028,42 +26721,6 @@
           </a:p>
         </p:txBody>
       </p:sp>
-      <p:pic>
-        <p:nvPicPr>
-          <p:cNvPr id="17" name="Resim 16">
-            <a:extLst>
-              <a:ext uri="{FF2B5EF4-FFF2-40B4-BE49-F238E27FC236}">
-                <a16:creationId xmlns:a16="http://schemas.microsoft.com/office/drawing/2014/main" id="{A91F8B91-5CA2-4A92-A59D-EEC04643833F}"/>
-              </a:ext>
-            </a:extLst>
-          </p:cNvPr>
-          <p:cNvPicPr>
-            <a:picLocks noChangeAspect="1"/>
-          </p:cNvPicPr>
-          <p:nvPr/>
-        </p:nvPicPr>
-        <p:blipFill>
-          <a:blip r:embed="rId3">
-            <a:extLst>
-              <a:ext uri="{28A0092B-C50C-407E-A947-70E740481C1C}">
-                <a14:useLocalDpi xmlns:a14="http://schemas.microsoft.com/office/drawing/2010/main" val="0"/>
-              </a:ext>
-            </a:extLst>
-          </a:blip>
-          <a:stretch>
-            <a:fillRect/>
-          </a:stretch>
-        </p:blipFill>
-        <p:spPr>
-          <a:xfrm>
-            <a:off x="340622" y="6362072"/>
-            <a:ext cx="2154700" cy="308365"/>
-          </a:xfrm>
-          <a:prstGeom prst="rect">
-            <a:avLst/>
-          </a:prstGeom>
-        </p:spPr>
-      </p:pic>
     </p:spTree>
     <p:extLst>
       <p:ext uri="{BB962C8B-B14F-4D97-AF65-F5344CB8AC3E}">
@@ -27227,42 +26884,6 @@
           </a:p>
         </p:txBody>
       </p:sp>
-      <p:pic>
-        <p:nvPicPr>
-          <p:cNvPr id="16" name="Resim 15">
-            <a:extLst>
-              <a:ext uri="{FF2B5EF4-FFF2-40B4-BE49-F238E27FC236}">
-                <a16:creationId xmlns:a16="http://schemas.microsoft.com/office/drawing/2014/main" id="{62968AF3-B1F1-433D-B79D-529F0C6591C3}"/>
-              </a:ext>
-            </a:extLst>
-          </p:cNvPr>
-          <p:cNvPicPr>
-            <a:picLocks noChangeAspect="1"/>
-          </p:cNvPicPr>
-          <p:nvPr/>
-        </p:nvPicPr>
-        <p:blipFill>
-          <a:blip r:embed="rId3">
-            <a:extLst>
-              <a:ext uri="{28A0092B-C50C-407E-A947-70E740481C1C}">
-                <a14:useLocalDpi xmlns:a14="http://schemas.microsoft.com/office/drawing/2010/main" val="0"/>
-              </a:ext>
-            </a:extLst>
-          </a:blip>
-          <a:stretch>
-            <a:fillRect/>
-          </a:stretch>
-        </p:blipFill>
-        <p:spPr>
-          <a:xfrm>
-            <a:off x="340622" y="6362072"/>
-            <a:ext cx="2154700" cy="308365"/>
-          </a:xfrm>
-          <a:prstGeom prst="rect">
-            <a:avLst/>
-          </a:prstGeom>
-        </p:spPr>
-      </p:pic>
     </p:spTree>
     <p:extLst>
       <p:ext uri="{BB962C8B-B14F-4D97-AF65-F5344CB8AC3E}">
@@ -27854,42 +27475,6 @@
           </a:p>
         </p:txBody>
       </p:sp>
-      <p:pic>
-        <p:nvPicPr>
-          <p:cNvPr id="17" name="Resim 16">
-            <a:extLst>
-              <a:ext uri="{FF2B5EF4-FFF2-40B4-BE49-F238E27FC236}">
-                <a16:creationId xmlns:a16="http://schemas.microsoft.com/office/drawing/2014/main" id="{F8239888-3402-4F6A-9B6C-67A62F3A5218}"/>
-              </a:ext>
-            </a:extLst>
-          </p:cNvPr>
-          <p:cNvPicPr>
-            <a:picLocks noChangeAspect="1"/>
-          </p:cNvPicPr>
-          <p:nvPr/>
-        </p:nvPicPr>
-        <p:blipFill>
-          <a:blip r:embed="rId3">
-            <a:extLst>
-              <a:ext uri="{28A0092B-C50C-407E-A947-70E740481C1C}">
-                <a14:useLocalDpi xmlns:a14="http://schemas.microsoft.com/office/drawing/2010/main" val="0"/>
-              </a:ext>
-            </a:extLst>
-          </a:blip>
-          <a:stretch>
-            <a:fillRect/>
-          </a:stretch>
-        </p:blipFill>
-        <p:spPr>
-          <a:xfrm>
-            <a:off x="340622" y="6362072"/>
-            <a:ext cx="2154700" cy="308365"/>
-          </a:xfrm>
-          <a:prstGeom prst="rect">
-            <a:avLst/>
-          </a:prstGeom>
-        </p:spPr>
-      </p:pic>
     </p:spTree>
     <p:extLst>
       <p:ext uri="{BB962C8B-B14F-4D97-AF65-F5344CB8AC3E}">
@@ -28260,42 +27845,6 @@
           <a:xfrm>
             <a:off x="4097484" y="2098685"/>
             <a:ext cx="7557188" cy="3650030"/>
-          </a:xfrm>
-          <a:prstGeom prst="rect">
-            <a:avLst/>
-          </a:prstGeom>
-        </p:spPr>
-      </p:pic>
-      <p:pic>
-        <p:nvPicPr>
-          <p:cNvPr id="17" name="Resim 16">
-            <a:extLst>
-              <a:ext uri="{FF2B5EF4-FFF2-40B4-BE49-F238E27FC236}">
-                <a16:creationId xmlns:a16="http://schemas.microsoft.com/office/drawing/2014/main" id="{8EA2D525-D560-4FCF-928B-2FD15C6C771D}"/>
-              </a:ext>
-            </a:extLst>
-          </p:cNvPr>
-          <p:cNvPicPr>
-            <a:picLocks noChangeAspect="1"/>
-          </p:cNvPicPr>
-          <p:nvPr/>
-        </p:nvPicPr>
-        <p:blipFill>
-          <a:blip r:embed="rId3">
-            <a:extLst>
-              <a:ext uri="{28A0092B-C50C-407E-A947-70E740481C1C}">
-                <a14:useLocalDpi xmlns:a14="http://schemas.microsoft.com/office/drawing/2010/main" val="0"/>
-              </a:ext>
-            </a:extLst>
-          </a:blip>
-          <a:stretch>
-            <a:fillRect/>
-          </a:stretch>
-        </p:blipFill>
-        <p:spPr>
-          <a:xfrm>
-            <a:off x="340622" y="6362072"/>
-            <a:ext cx="2154700" cy="308365"/>
           </a:xfrm>
           <a:prstGeom prst="rect">
             <a:avLst/>
@@ -30908,42 +30457,6 @@
           </p:spPr>
         </p:pic>
       </p:grpSp>
-      <p:pic>
-        <p:nvPicPr>
-          <p:cNvPr id="41" name="Resim 40">
-            <a:extLst>
-              <a:ext uri="{FF2B5EF4-FFF2-40B4-BE49-F238E27FC236}">
-                <a16:creationId xmlns:a16="http://schemas.microsoft.com/office/drawing/2014/main" id="{73834032-37E8-45B7-AF60-9F33075D848B}"/>
-              </a:ext>
-            </a:extLst>
-          </p:cNvPr>
-          <p:cNvPicPr>
-            <a:picLocks noChangeAspect="1"/>
-          </p:cNvPicPr>
-          <p:nvPr/>
-        </p:nvPicPr>
-        <p:blipFill>
-          <a:blip r:embed="rId14">
-            <a:extLst>
-              <a:ext uri="{28A0092B-C50C-407E-A947-70E740481C1C}">
-                <a14:useLocalDpi xmlns:a14="http://schemas.microsoft.com/office/drawing/2010/main" val="0"/>
-              </a:ext>
-            </a:extLst>
-          </a:blip>
-          <a:stretch>
-            <a:fillRect/>
-          </a:stretch>
-        </p:blipFill>
-        <p:spPr>
-          <a:xfrm>
-            <a:off x="340622" y="6362072"/>
-            <a:ext cx="2154700" cy="308365"/>
-          </a:xfrm>
-          <a:prstGeom prst="rect">
-            <a:avLst/>
-          </a:prstGeom>
-        </p:spPr>
-      </p:pic>
     </p:spTree>
     <p:extLst>
       <p:ext uri="{BB962C8B-B14F-4D97-AF65-F5344CB8AC3E}">
@@ -31556,42 +31069,6 @@
           </a:p>
         </p:txBody>
       </p:sp>
-      <p:pic>
-        <p:nvPicPr>
-          <p:cNvPr id="17" name="Resim 16">
-            <a:extLst>
-              <a:ext uri="{FF2B5EF4-FFF2-40B4-BE49-F238E27FC236}">
-                <a16:creationId xmlns:a16="http://schemas.microsoft.com/office/drawing/2014/main" id="{8E589949-AFBD-43EE-B167-3D5A5E712052}"/>
-              </a:ext>
-            </a:extLst>
-          </p:cNvPr>
-          <p:cNvPicPr>
-            <a:picLocks noChangeAspect="1"/>
-          </p:cNvPicPr>
-          <p:nvPr/>
-        </p:nvPicPr>
-        <p:blipFill>
-          <a:blip r:embed="rId2">
-            <a:extLst>
-              <a:ext uri="{28A0092B-C50C-407E-A947-70E740481C1C}">
-                <a14:useLocalDpi xmlns:a14="http://schemas.microsoft.com/office/drawing/2010/main" val="0"/>
-              </a:ext>
-            </a:extLst>
-          </a:blip>
-          <a:stretch>
-            <a:fillRect/>
-          </a:stretch>
-        </p:blipFill>
-        <p:spPr>
-          <a:xfrm>
-            <a:off x="340622" y="6362072"/>
-            <a:ext cx="2154700" cy="308365"/>
-          </a:xfrm>
-          <a:prstGeom prst="rect">
-            <a:avLst/>
-          </a:prstGeom>
-        </p:spPr>
-      </p:pic>
     </p:spTree>
     <p:extLst>
       <p:ext uri="{BB962C8B-B14F-4D97-AF65-F5344CB8AC3E}">
@@ -32039,42 +31516,6 @@
           </a:p>
         </p:txBody>
       </p:sp>
-      <p:pic>
-        <p:nvPicPr>
-          <p:cNvPr id="17" name="Resim 16">
-            <a:extLst>
-              <a:ext uri="{FF2B5EF4-FFF2-40B4-BE49-F238E27FC236}">
-                <a16:creationId xmlns:a16="http://schemas.microsoft.com/office/drawing/2014/main" id="{39FA9374-9F95-4F38-896D-4F63A0C1CF49}"/>
-              </a:ext>
-            </a:extLst>
-          </p:cNvPr>
-          <p:cNvPicPr>
-            <a:picLocks noChangeAspect="1"/>
-          </p:cNvPicPr>
-          <p:nvPr/>
-        </p:nvPicPr>
-        <p:blipFill>
-          <a:blip r:embed="rId2">
-            <a:extLst>
-              <a:ext uri="{28A0092B-C50C-407E-A947-70E740481C1C}">
-                <a14:useLocalDpi xmlns:a14="http://schemas.microsoft.com/office/drawing/2010/main" val="0"/>
-              </a:ext>
-            </a:extLst>
-          </a:blip>
-          <a:stretch>
-            <a:fillRect/>
-          </a:stretch>
-        </p:blipFill>
-        <p:spPr>
-          <a:xfrm>
-            <a:off x="340622" y="6362072"/>
-            <a:ext cx="2154700" cy="308365"/>
-          </a:xfrm>
-          <a:prstGeom prst="rect">
-            <a:avLst/>
-          </a:prstGeom>
-        </p:spPr>
-      </p:pic>
     </p:spTree>
     <p:extLst>
       <p:ext uri="{BB962C8B-B14F-4D97-AF65-F5344CB8AC3E}">
